--- a/PPTHelperInstaller/bin/Release/演示文稿1.pptx
+++ b/PPTHelperInstaller/bin/Release/演示文稿1.pptx
@@ -104,6 +104,11 @@
       </a:defRPr>
     </a:lvl9pPr>
   </p:defaultTextStyle>
+  <p:extLst>
+    <p:ext uri="{EFAFB233-063F-42B5-8137-9DF3F51BA10A}">
+      <p15:sldGuideLst xmlns:p15="http://schemas.microsoft.com/office/powerpoint/2012/main"/>
+    </p:ext>
+  </p:extLst>
 </p:presentation>
 </file>
 
@@ -268,7 +273,7 @@
           <a:p>
             <a:fld id="{655A5808-3B61-48CC-92EF-85AC2E0DFA56}" type="datetime2">
               <a:rPr lang="en-US" smtClean="0"/>
-              <a:t>Thursday, February 18, 2021</a:t>
+              <a:t>Tuesday, March 2, 2021</a:t>
             </a:fld>
             <a:endParaRPr lang="en-US"/>
           </a:p>
@@ -466,7 +471,7 @@
           <a:p>
             <a:fld id="{735E98AF-4574-4509-BF7A-519ACD5BF826}" type="datetime2">
               <a:rPr lang="en-US" smtClean="0"/>
-              <a:t>Thursday, February 18, 2021</a:t>
+              <a:t>Tuesday, March 2, 2021</a:t>
             </a:fld>
             <a:endParaRPr lang="en-US"/>
           </a:p>
@@ -676,7 +681,7 @@
           <a:p>
             <a:fld id="{93DD97D4-9636-490F-85D0-E926C2B6F3B1}" type="datetime2">
               <a:rPr lang="en-US" smtClean="0"/>
-              <a:t>Thursday, February 18, 2021</a:t>
+              <a:t>Tuesday, March 2, 2021</a:t>
             </a:fld>
             <a:endParaRPr lang="en-US"/>
           </a:p>
@@ -875,7 +880,7 @@
           <a:p>
             <a:fld id="{2F3AF3C6-0FD4-4939-991C-00DDE5C56815}" type="datetime2">
               <a:rPr lang="en-US" smtClean="0"/>
-              <a:t>Thursday, February 18, 2021</a:t>
+              <a:t>Tuesday, March 2, 2021</a:t>
             </a:fld>
             <a:endParaRPr lang="en-US"/>
           </a:p>
@@ -1156,7 +1161,7 @@
           <a:p>
             <a:fld id="{86807482-8128-47C6-A8DD-6452B0291CFF}" type="datetime2">
               <a:rPr lang="en-US" smtClean="0"/>
-              <a:t>Thursday, February 18, 2021</a:t>
+              <a:t>Tuesday, March 2, 2021</a:t>
             </a:fld>
             <a:endParaRPr lang="en-US"/>
           </a:p>
@@ -1424,7 +1429,7 @@
           <a:p>
             <a:fld id="{37903F25-275E-41DE-BE3B-EBF0DB49F9B1}" type="datetime2">
               <a:rPr lang="en-US" smtClean="0"/>
-              <a:t>Thursday, February 18, 2021</a:t>
+              <a:t>Tuesday, March 2, 2021</a:t>
             </a:fld>
             <a:endParaRPr lang="en-US"/>
           </a:p>
@@ -1805,7 +1810,7 @@
           <a:p>
             <a:fld id="{EE475572-4A44-4171-84AA-64D42C8050A6}" type="datetime2">
               <a:rPr lang="en-US" smtClean="0"/>
-              <a:t>Thursday, February 18, 2021</a:t>
+              <a:t>Tuesday, March 2, 2021</a:t>
             </a:fld>
             <a:endParaRPr lang="en-US"/>
           </a:p>
@@ -1975,7 +1980,7 @@
           <a:p>
             <a:fld id="{C4C1612E-528E-4FD5-9E9E-E15F1108F171}" type="datetime2">
               <a:rPr lang="en-US" smtClean="0"/>
-              <a:t>Thursday, February 18, 2021</a:t>
+              <a:t>Tuesday, March 2, 2021</a:t>
             </a:fld>
             <a:endParaRPr lang="en-US"/>
           </a:p>
@@ -2088,7 +2093,7 @@
           <a:p>
             <a:fld id="{D4F6D862-A06D-436F-A92E-EBAAD50B6E50}" type="datetime2">
               <a:rPr lang="en-US" smtClean="0"/>
-              <a:t>Thursday, February 18, 2021</a:t>
+              <a:t>Tuesday, March 2, 2021</a:t>
             </a:fld>
             <a:endParaRPr lang="en-US"/>
           </a:p>
@@ -2405,7 +2410,7 @@
           <a:p>
             <a:fld id="{B73E0B7D-2260-4809-8F0A-9E5F3E24F169}" type="datetime2">
               <a:rPr lang="en-US" smtClean="0"/>
-              <a:t>Thursday, February 18, 2021</a:t>
+              <a:t>Tuesday, March 2, 2021</a:t>
             </a:fld>
             <a:endParaRPr lang="en-US"/>
           </a:p>
@@ -2697,7 +2702,7 @@
           <a:p>
             <a:fld id="{3C8E4735-C637-46A3-94EB-AB3AC4188D2F}" type="datetime2">
               <a:rPr lang="en-US" smtClean="0"/>
-              <a:t>Thursday, February 18, 2021</a:t>
+              <a:t>Tuesday, March 2, 2021</a:t>
             </a:fld>
             <a:endParaRPr lang="en-US"/>
           </a:p>
@@ -3061,7 +3066,7 @@
             <a:fld id="{AE0C963C-C1DB-4AFD-9DDC-0691666BF49B}" type="datetime2">
               <a:rPr lang="en-US" smtClean="0"/>
               <a:pPr/>
-              <a:t>Thursday, February 18, 2021</a:t>
+              <a:t>Tuesday, March 2, 2021</a:t>
             </a:fld>
             <a:endParaRPr lang="en-US" cap="all" dirty="0"/>
           </a:p>
@@ -3919,7 +3924,7 @@
         </p:blipFill>
         <p:spPr>
           <a:xfrm>
-            <a:off x="0" y="1351693"/>
+            <a:off x="0" y="449257"/>
             <a:ext cx="12192000" cy="4154613"/>
           </a:xfrm>
           <a:prstGeom prst="rect">
@@ -3934,6 +3939,202 @@
           </a:effectLst>
         </p:spPr>
       </p:pic>
+      <p:sp>
+        <p:nvSpPr>
+          <p:cNvPr id="2" name="文本框 1">
+            <a:extLst>
+              <a:ext uri="{FF2B5EF4-FFF2-40B4-BE49-F238E27FC236}">
+                <a16:creationId xmlns:a16="http://schemas.microsoft.com/office/drawing/2014/main" id="{FB268156-FE66-412E-8A00-6A0413ED7452}"/>
+              </a:ext>
+            </a:extLst>
+          </p:cNvPr>
+          <p:cNvSpPr txBox="1"/>
+          <p:nvPr/>
+        </p:nvSpPr>
+        <p:spPr>
+          <a:xfrm>
+            <a:off x="995079" y="4917559"/>
+            <a:ext cx="11196919" cy="584775"/>
+          </a:xfrm>
+          <a:prstGeom prst="rect">
+            <a:avLst/>
+          </a:prstGeom>
+          <a:noFill/>
+        </p:spPr>
+        <p:txBody>
+          <a:bodyPr wrap="square" rtlCol="0">
+            <a:spAutoFit/>
+          </a:bodyPr>
+          <a:lstStyle/>
+          <a:p>
+            <a:r>
+              <a:rPr lang="zh-CN" altLang="en-US" sz="3200" b="1" dirty="0">
+                <a:gradFill flip="none" rotWithShape="1">
+                  <a:gsLst>
+                    <a:gs pos="0">
+                      <a:srgbClr val="FF5870"/>
+                    </a:gs>
+                    <a:gs pos="100000">
+                      <a:srgbClr val="FF8E82"/>
+                    </a:gs>
+                  </a:gsLst>
+                  <a:lin ang="10800000" scaled="1"/>
+                  <a:tileRect/>
+                </a:gradFill>
+                <a:effectLst>
+                  <a:outerShdw blurRad="38100" dist="38100" dir="2700000" algn="tl">
+                    <a:srgbClr val="000000">
+                      <a:alpha val="43137"/>
+                    </a:srgbClr>
+                  </a:outerShdw>
+                </a:effectLst>
+                <a:latin typeface="等线" panose="02010600030101010101" pitchFamily="2" charset="-122"/>
+                <a:ea typeface="等线" panose="02010600030101010101" pitchFamily="2" charset="-122"/>
+              </a:rPr>
+              <a:t>项目主页：</a:t>
+            </a:r>
+            <a:r>
+              <a:rPr lang="en-US" altLang="zh-CN" sz="3200" b="1" dirty="0">
+                <a:gradFill flip="none" rotWithShape="1">
+                  <a:gsLst>
+                    <a:gs pos="0">
+                      <a:srgbClr val="FF5870"/>
+                    </a:gs>
+                    <a:gs pos="100000">
+                      <a:srgbClr val="FF8E82"/>
+                    </a:gs>
+                  </a:gsLst>
+                  <a:lin ang="10800000" scaled="1"/>
+                  <a:tileRect/>
+                </a:gradFill>
+                <a:effectLst>
+                  <a:outerShdw blurRad="38100" dist="38100" dir="2700000" algn="tl">
+                    <a:srgbClr val="000000">
+                      <a:alpha val="43137"/>
+                    </a:srgbClr>
+                  </a:outerShdw>
+                </a:effectLst>
+                <a:latin typeface="等线" panose="02010600030101010101" pitchFamily="2" charset="-122"/>
+                <a:ea typeface="等线" panose="02010600030101010101" pitchFamily="2" charset="-122"/>
+                <a:hlinkClick r:id="rId4">
+                  <a:extLst>
+                    <a:ext uri="{A12FA001-AC4F-418D-AE19-62706E023703}">
+                      <ahyp:hlinkClr xmlns:ahyp="http://schemas.microsoft.com/office/drawing/2018/hyperlinkcolor" val="tx"/>
+                    </a:ext>
+                  </a:extLst>
+                </a:hlinkClick>
+              </a:rPr>
+              <a:t>https://github.com/1357310795/HandyDraw</a:t>
+            </a:r>
+            <a:endParaRPr lang="zh-CN" altLang="en-US" sz="3200" b="1" dirty="0">
+              <a:gradFill flip="none" rotWithShape="1">
+                <a:gsLst>
+                  <a:gs pos="0">
+                    <a:srgbClr val="FF5870"/>
+                  </a:gs>
+                  <a:gs pos="100000">
+                    <a:srgbClr val="FF8E82"/>
+                  </a:gs>
+                </a:gsLst>
+                <a:lin ang="10800000" scaled="1"/>
+                <a:tileRect/>
+              </a:gradFill>
+              <a:effectLst>
+                <a:outerShdw blurRad="38100" dist="38100" dir="2700000" algn="tl">
+                  <a:srgbClr val="000000">
+                    <a:alpha val="43137"/>
+                  </a:srgbClr>
+                </a:outerShdw>
+              </a:effectLst>
+              <a:latin typeface="等线" panose="02010600030101010101" pitchFamily="2" charset="-122"/>
+              <a:ea typeface="等线" panose="02010600030101010101" pitchFamily="2" charset="-122"/>
+            </a:endParaRPr>
+          </a:p>
+        </p:txBody>
+      </p:sp>
+      <p:sp>
+        <p:nvSpPr>
+          <p:cNvPr id="3" name="文本框 2">
+            <a:extLst>
+              <a:ext uri="{FF2B5EF4-FFF2-40B4-BE49-F238E27FC236}">
+                <a16:creationId xmlns:a16="http://schemas.microsoft.com/office/drawing/2014/main" id="{44B3548B-43EA-453F-ACDE-8E542AD5C785}"/>
+              </a:ext>
+            </a:extLst>
+          </p:cNvPr>
+          <p:cNvSpPr txBox="1"/>
+          <p:nvPr/>
+        </p:nvSpPr>
+        <p:spPr>
+          <a:xfrm>
+            <a:off x="5728447" y="528918"/>
+            <a:ext cx="5109882" cy="400110"/>
+          </a:xfrm>
+          <a:prstGeom prst="rect">
+            <a:avLst/>
+          </a:prstGeom>
+          <a:noFill/>
+        </p:spPr>
+        <p:txBody>
+          <a:bodyPr wrap="square" rtlCol="0">
+            <a:spAutoFit/>
+          </a:bodyPr>
+          <a:lstStyle/>
+          <a:p>
+            <a:pPr algn="dist"/>
+            <a:r>
+              <a:rPr lang="zh-CN" altLang="en-US" sz="2000" dirty="0">
+                <a:solidFill>
+                  <a:srgbClr val="FF5870"/>
+                </a:solidFill>
+                <a:effectLst>
+                  <a:outerShdw blurRad="38100" dist="38100" dir="2700000" algn="tl">
+                    <a:srgbClr val="000000">
+                      <a:alpha val="43137"/>
+                    </a:srgbClr>
+                  </a:outerShdw>
+                </a:effectLst>
+                <a:latin typeface="等线" panose="02010600030101010101" pitchFamily="2" charset="-122"/>
+                <a:ea typeface="等线" panose="02010600030101010101" pitchFamily="2" charset="-122"/>
+              </a:rPr>
+              <a:t>最好用的</a:t>
+            </a:r>
+            <a:r>
+              <a:rPr lang="en-US" altLang="zh-CN" sz="2000" dirty="0">
+                <a:solidFill>
+                  <a:srgbClr val="FF5870"/>
+                </a:solidFill>
+                <a:effectLst>
+                  <a:outerShdw blurRad="38100" dist="38100" dir="2700000" algn="tl">
+                    <a:srgbClr val="000000">
+                      <a:alpha val="43137"/>
+                    </a:srgbClr>
+                  </a:outerShdw>
+                </a:effectLst>
+                <a:latin typeface="等线" panose="02010600030101010101" pitchFamily="2" charset="-122"/>
+                <a:ea typeface="等线" panose="02010600030101010101" pitchFamily="2" charset="-122"/>
+              </a:rPr>
+              <a:t>PPT</a:t>
+            </a:r>
+            <a:r>
+              <a:rPr lang="zh-CN" altLang="en-US" sz="2000" dirty="0">
+                <a:solidFill>
+                  <a:srgbClr val="FF5870"/>
+                </a:solidFill>
+                <a:effectLst>
+                  <a:outerShdw blurRad="38100" dist="38100" dir="2700000" algn="tl">
+                    <a:srgbClr val="000000">
+                      <a:alpha val="43137"/>
+                    </a:srgbClr>
+                  </a:outerShdw>
+                </a:effectLst>
+                <a:latin typeface="等线" panose="02010600030101010101" pitchFamily="2" charset="-122"/>
+                <a:ea typeface="等线" panose="02010600030101010101" pitchFamily="2" charset="-122"/>
+              </a:rPr>
+              <a:t>标注软件</a:t>
+            </a:r>
+          </a:p>
+        </p:txBody>
+      </p:sp>
     </p:spTree>
     <p:extLst>
       <p:ext uri="{BB962C8B-B14F-4D97-AF65-F5344CB8AC3E}">
